--- a/hot/納涼もんご祭り 資料(出展用).pptx
+++ b/hot/納涼もんご祭り 資料(出展用).pptx
@@ -7,9 +7,12 @@
   <p:sldIdLst>
     <p:sldId id="256" r:id="rId2"/>
     <p:sldId id="257" r:id="rId3"/>
-    <p:sldId id="258" r:id="rId4"/>
-    <p:sldId id="260" r:id="rId5"/>
-    <p:sldId id="259" r:id="rId6"/>
+    <p:sldId id="263" r:id="rId4"/>
+    <p:sldId id="262" r:id="rId5"/>
+    <p:sldId id="264" r:id="rId6"/>
+    <p:sldId id="258" r:id="rId7"/>
+    <p:sldId id="260" r:id="rId8"/>
+    <p:sldId id="259" r:id="rId9"/>
   </p:sldIdLst>
   <p:sldSz cx="12192000" cy="6858000"/>
   <p:notesSz cx="6858000" cy="9144000"/>
@@ -109,6 +112,34 @@
     </a:lvl9pPr>
   </p:defaultTextStyle>
   <p:extLst>
+    <p:ext uri="{521415D9-36F7-43E2-AB2F-B90AF26B5E84}">
+      <p14:sectionLst xmlns:p14="http://schemas.microsoft.com/office/powerpoint/2010/main">
+        <p14:section name="既定のセクション" id="{61A5392E-FA13-46D3-A1C0-E1C3095992C8}">
+          <p14:sldIdLst>
+            <p14:sldId id="256"/>
+          </p14:sldIdLst>
+        </p14:section>
+        <p14:section name="イベント基本情報" id="{238B6077-4A11-4428-8D2B-DFFBEDB4AF1B}">
+          <p14:sldIdLst>
+            <p14:sldId id="257"/>
+            <p14:sldId id="263"/>
+          </p14:sldIdLst>
+        </p14:section>
+        <p14:section name="出展基本情報" id="{847A26FA-C091-41ED-971B-7BD680FF797C}">
+          <p14:sldIdLst>
+            <p14:sldId id="262"/>
+            <p14:sldId id="264"/>
+          </p14:sldIdLst>
+        </p14:section>
+        <p14:section name="ブース" id="{A0AF89A9-613B-4E88-A8E9-6F07DC5307AE}">
+          <p14:sldIdLst>
+            <p14:sldId id="258"/>
+            <p14:sldId id="260"/>
+            <p14:sldId id="259"/>
+          </p14:sldIdLst>
+        </p14:section>
+      </p14:sectionLst>
+    </p:ext>
     <p:ext uri="{EFAFB233-063F-42B5-8137-9DF3F51BA10A}">
       <p15:sldGuideLst xmlns:p15="http://schemas.microsoft.com/office/powerpoint/2012/main"/>
     </p:ext>
@@ -2906,7 +2937,10 @@
           </a:bodyPr>
           <a:lstStyle>
             <a:lvl1pPr>
-              <a:defRPr sz="3600"/>
+              <a:defRPr sz="3600">
+                <a:latin typeface="Meiryo UI" panose="020B0604030504040204" pitchFamily="50" charset="-128"/>
+                <a:ea typeface="Meiryo UI" panose="020B0604030504040204" pitchFamily="50" charset="-128"/>
+              </a:defRPr>
             </a:lvl1pPr>
           </a:lstStyle>
           <a:p>
@@ -2931,39 +2965,70 @@
         <p:spPr/>
         <p:txBody>
           <a:bodyPr/>
-          <a:lstStyle/>
+          <a:lstStyle>
+            <a:lvl1pPr>
+              <a:defRPr>
+                <a:latin typeface="Meiryo UI" panose="020B0604030504040204" pitchFamily="50" charset="-128"/>
+                <a:ea typeface="Meiryo UI" panose="020B0604030504040204" pitchFamily="50" charset="-128"/>
+              </a:defRPr>
+            </a:lvl1pPr>
+            <a:lvl2pPr>
+              <a:defRPr>
+                <a:latin typeface="Meiryo UI" panose="020B0604030504040204" pitchFamily="50" charset="-128"/>
+                <a:ea typeface="Meiryo UI" panose="020B0604030504040204" pitchFamily="50" charset="-128"/>
+              </a:defRPr>
+            </a:lvl2pPr>
+            <a:lvl3pPr>
+              <a:defRPr>
+                <a:latin typeface="Meiryo UI" panose="020B0604030504040204" pitchFamily="50" charset="-128"/>
+                <a:ea typeface="Meiryo UI" panose="020B0604030504040204" pitchFamily="50" charset="-128"/>
+              </a:defRPr>
+            </a:lvl3pPr>
+            <a:lvl4pPr>
+              <a:defRPr>
+                <a:latin typeface="Meiryo UI" panose="020B0604030504040204" pitchFamily="50" charset="-128"/>
+                <a:ea typeface="Meiryo UI" panose="020B0604030504040204" pitchFamily="50" charset="-128"/>
+              </a:defRPr>
+            </a:lvl4pPr>
+            <a:lvl5pPr>
+              <a:defRPr>
+                <a:latin typeface="Meiryo UI" panose="020B0604030504040204" pitchFamily="50" charset="-128"/>
+                <a:ea typeface="Meiryo UI" panose="020B0604030504040204" pitchFamily="50" charset="-128"/>
+              </a:defRPr>
+            </a:lvl5pPr>
+          </a:lstStyle>
           <a:p>
             <a:pPr lvl="0"/>
             <a:r>
-              <a:rPr lang="en-US" altLang="ja-JP" smtClean="0"/>
+              <a:rPr lang="en-US" altLang="ja-JP" dirty="0" smtClean="0"/>
               <a:t>Click to edit Master text styles</a:t>
             </a:r>
           </a:p>
           <a:p>
             <a:pPr lvl="1"/>
             <a:r>
-              <a:rPr lang="en-US" altLang="ja-JP" smtClean="0"/>
+              <a:rPr lang="en-US" altLang="ja-JP" dirty="0" smtClean="0"/>
               <a:t>Second level</a:t>
             </a:r>
           </a:p>
           <a:p>
             <a:pPr lvl="2"/>
             <a:r>
-              <a:rPr lang="en-US" altLang="ja-JP" smtClean="0"/>
+              <a:rPr lang="en-US" altLang="ja-JP" dirty="0" smtClean="0"/>
               <a:t>Third level</a:t>
             </a:r>
           </a:p>
           <a:p>
             <a:pPr lvl="3"/>
             <a:r>
-              <a:rPr lang="en-US" altLang="ja-JP" smtClean="0"/>
+              <a:rPr lang="en-US" altLang="ja-JP" dirty="0" smtClean="0"/>
               <a:t>Fourth level</a:t>
             </a:r>
           </a:p>
           <a:p>
             <a:pPr lvl="4"/>
             <a:r>
-              <a:rPr lang="en-US" altLang="ja-JP" smtClean="0"/>
+              <a:rPr lang="en-US" altLang="ja-JP" dirty="0" smtClean="0"/>
               <a:t>Fifth level</a:t>
             </a:r>
             <a:endParaRPr lang="en-US" dirty="0"/>
@@ -2983,10 +3048,18 @@
         <p:spPr/>
         <p:txBody>
           <a:bodyPr/>
-          <a:lstStyle/>
+          <a:lstStyle>
+            <a:lvl1pPr>
+              <a:defRPr>
+                <a:latin typeface="Meiryo UI" panose="020B0604030504040204" pitchFamily="50" charset="-128"/>
+                <a:ea typeface="Meiryo UI" panose="020B0604030504040204" pitchFamily="50" charset="-128"/>
+              </a:defRPr>
+            </a:lvl1pPr>
+          </a:lstStyle>
           <a:p>
             <a:fld id="{528FC5F6-F338-4AE4-BB23-26385BCFC423}" type="datetimeFigureOut">
               <a:rPr lang="en-US" smtClean="0"/>
+              <a:pPr/>
               <a:t>7/7/2013</a:t>
             </a:fld>
             <a:endParaRPr lang="en-US" dirty="0"/>
@@ -3006,7 +3079,14 @@
         <p:spPr/>
         <p:txBody>
           <a:bodyPr/>
-          <a:lstStyle/>
+          <a:lstStyle>
+            <a:lvl1pPr>
+              <a:defRPr>
+                <a:latin typeface="Meiryo UI" panose="020B0604030504040204" pitchFamily="50" charset="-128"/>
+                <a:ea typeface="Meiryo UI" panose="020B0604030504040204" pitchFamily="50" charset="-128"/>
+              </a:defRPr>
+            </a:lvl1pPr>
+          </a:lstStyle>
           <a:p>
             <a:endParaRPr lang="en-US" dirty="0"/>
           </a:p>
@@ -3025,10 +3105,18 @@
         <p:spPr/>
         <p:txBody>
           <a:bodyPr/>
-          <a:lstStyle/>
+          <a:lstStyle>
+            <a:lvl1pPr>
+              <a:defRPr>
+                <a:latin typeface="Meiryo UI" panose="020B0604030504040204" pitchFamily="50" charset="-128"/>
+                <a:ea typeface="Meiryo UI" panose="020B0604030504040204" pitchFamily="50" charset="-128"/>
+              </a:defRPr>
+            </a:lvl1pPr>
+          </a:lstStyle>
           <a:p>
             <a:fld id="{6113E31D-E2AB-40D1-8B51-AFA5AFEF393A}" type="slidenum">
               <a:rPr lang="en-US" smtClean="0"/>
+              <a:pPr/>
               <a:t>‹#›</a:t>
             </a:fld>
             <a:endParaRPr lang="en-US" dirty="0"/>
@@ -3211,7 +3299,7 @@
           <a:p>
             <a:pPr lvl="0"/>
             <a:r>
-              <a:rPr lang="en-US" altLang="ja-JP" smtClean="0"/>
+              <a:rPr lang="en-US" altLang="ja-JP" dirty="0" smtClean="0"/>
               <a:t>Click to edit Master text styles</a:t>
             </a:r>
           </a:p>
@@ -3936,7 +4024,14 @@
         </p:spPr>
         <p:txBody>
           <a:bodyPr/>
-          <a:lstStyle/>
+          <a:lstStyle>
+            <a:lvl1pPr>
+              <a:defRPr>
+                <a:latin typeface="Meiryo UI" panose="020B0604030504040204" pitchFamily="50" charset="-128"/>
+                <a:ea typeface="Meiryo UI" panose="020B0604030504040204" pitchFamily="50" charset="-128"/>
+              </a:defRPr>
+            </a:lvl1pPr>
+          </a:lstStyle>
           <a:p>
             <a:r>
               <a:rPr lang="en-US" altLang="ja-JP" smtClean="0"/>
@@ -5942,7 +6037,7 @@
 </file>
 
 <file path=ppt/slides/slide2.xml><?xml version="1.0" encoding="utf-8"?>
-<p:sld xmlns:a="http://schemas.openxmlformats.org/drawingml/2006/main" xmlns:r="http://schemas.openxmlformats.org/officeDocument/2006/relationships" xmlns:p="http://schemas.openxmlformats.org/presentationml/2006/main" show="0">
+<p:sld xmlns:a="http://schemas.openxmlformats.org/drawingml/2006/main" xmlns:r="http://schemas.openxmlformats.org/officeDocument/2006/relationships" xmlns:p="http://schemas.openxmlformats.org/presentationml/2006/main">
   <p:cSld>
     <p:spTree>
       <p:nvGrpSpPr>
@@ -5974,6 +6069,10 @@
           <a:lstStyle/>
           <a:p>
             <a:r>
+              <a:rPr lang="ja-JP" altLang="en-US" dirty="0" smtClean="0"/>
+              <a:t>イベント開催</a:t>
+            </a:r>
+            <a:r>
               <a:rPr kumimoji="1" lang="ja-JP" altLang="en-US" dirty="0" smtClean="0"/>
               <a:t>概要</a:t>
             </a:r>
@@ -5996,6 +6095,128 @@
           <a:bodyPr/>
           <a:lstStyle/>
           <a:p>
+            <a:r>
+              <a:rPr lang="zh-TW" altLang="en-US" dirty="0" smtClean="0"/>
+              <a:t>日時</a:t>
+            </a:r>
+            <a:endParaRPr lang="en-US" altLang="zh-TW" dirty="0" smtClean="0"/>
+          </a:p>
+          <a:p>
+            <a:pPr lvl="1"/>
+            <a:r>
+              <a:rPr lang="en-US" altLang="zh-TW" dirty="0" smtClean="0"/>
+              <a:t>2013</a:t>
+            </a:r>
+            <a:r>
+              <a:rPr lang="zh-TW" altLang="en-US" dirty="0"/>
+              <a:t>年</a:t>
+            </a:r>
+            <a:r>
+              <a:rPr lang="en-US" altLang="zh-TW" dirty="0"/>
+              <a:t>7</a:t>
+            </a:r>
+            <a:r>
+              <a:rPr lang="zh-TW" altLang="en-US" dirty="0"/>
+              <a:t>月</a:t>
+            </a:r>
+            <a:r>
+              <a:rPr lang="en-US" altLang="zh-TW" dirty="0"/>
+              <a:t>28</a:t>
+            </a:r>
+            <a:r>
+              <a:rPr lang="zh-TW" altLang="en-US" dirty="0"/>
+              <a:t>日（日</a:t>
+            </a:r>
+            <a:r>
+              <a:rPr lang="zh-TW" altLang="en-US" dirty="0" smtClean="0"/>
+              <a:t>）</a:t>
+            </a:r>
+            <a:r>
+              <a:rPr lang="en-US" altLang="zh-TW" dirty="0"/>
+              <a:t> 12</a:t>
+            </a:r>
+            <a:r>
+              <a:rPr lang="zh-TW" altLang="en-US" dirty="0"/>
+              <a:t>時</a:t>
+            </a:r>
+            <a:r>
+              <a:rPr lang="en-US" altLang="zh-TW" dirty="0"/>
+              <a:t>〜</a:t>
+            </a:r>
+            <a:r>
+              <a:rPr lang="en-US" altLang="zh-TW" dirty="0" smtClean="0"/>
+              <a:t>18</a:t>
+            </a:r>
+            <a:r>
+              <a:rPr lang="zh-TW" altLang="en-US" dirty="0" smtClean="0"/>
+              <a:t>時</a:t>
+            </a:r>
+            <a:endParaRPr lang="zh-TW" altLang="en-US" dirty="0"/>
+          </a:p>
+          <a:p>
+            <a:r>
+              <a:rPr lang="zh-TW" altLang="en-US" dirty="0" smtClean="0"/>
+              <a:t>場所</a:t>
+            </a:r>
+            <a:endParaRPr lang="en-US" altLang="zh-TW" dirty="0" smtClean="0"/>
+          </a:p>
+          <a:p>
+            <a:pPr lvl="1"/>
+            <a:r>
+              <a:rPr lang="zh-TW" altLang="en-US" dirty="0" smtClean="0"/>
+              <a:t>東工</a:t>
+            </a:r>
+            <a:r>
+              <a:rPr lang="zh-TW" altLang="en-US" dirty="0"/>
+              <a:t>大蔵前会館 </a:t>
+            </a:r>
+            <a:r>
+              <a:rPr lang="en-US" altLang="zh-TW" dirty="0"/>
+              <a:t>1F</a:t>
+            </a:r>
+          </a:p>
+          <a:p>
+            <a:r>
+              <a:rPr lang="ja-JP" altLang="en-US" dirty="0"/>
+              <a:t>参加</a:t>
+            </a:r>
+            <a:r>
+              <a:rPr lang="zh-TW" altLang="en-US" dirty="0" smtClean="0"/>
+              <a:t>費</a:t>
+            </a:r>
+            <a:endParaRPr lang="en-US" altLang="zh-TW" dirty="0" smtClean="0"/>
+          </a:p>
+          <a:p>
+            <a:pPr lvl="1"/>
+            <a:r>
+              <a:rPr lang="zh-TW" altLang="en-US" dirty="0" smtClean="0"/>
+              <a:t>無料</a:t>
+            </a:r>
+            <a:endParaRPr lang="en-US" altLang="zh-TW" dirty="0" smtClean="0"/>
+          </a:p>
+          <a:p>
+            <a:r>
+              <a:rPr lang="ja-JP" altLang="en-US" dirty="0"/>
+              <a:t>イベントの</a:t>
+            </a:r>
+            <a:r>
+              <a:rPr lang="ja-JP" altLang="en-US" dirty="0" smtClean="0"/>
+              <a:t>形式</a:t>
+            </a:r>
+            <a:endParaRPr lang="en-US" altLang="ja-JP" dirty="0" smtClean="0"/>
+          </a:p>
+          <a:p>
+            <a:pPr lvl="1"/>
+            <a:r>
+              <a:rPr lang="ja-JP" altLang="en-US" dirty="0" smtClean="0"/>
+              <a:t>夜</a:t>
+            </a:r>
+            <a:r>
+              <a:rPr lang="ja-JP" altLang="en-US" dirty="0"/>
+              <a:t>祭りをフィーチャーした展示場と講演形式による発表の場、および広報に関わる掲示などを織り交ぜた、入退場の自由な一般向けイベントです。</a:t>
+            </a:r>
+          </a:p>
+          <a:p>
             <a:endParaRPr kumimoji="1" lang="ja-JP" altLang="en-US" dirty="0"/>
           </a:p>
         </p:txBody>
@@ -6010,11 +6231,11 @@
   <p:clrMapOvr>
     <a:masterClrMapping/>
   </p:clrMapOvr>
-  <mc:AlternateContent xmlns:mc="http://schemas.openxmlformats.org/markup-compatibility/2006" xmlns:p14="http://schemas.microsoft.com/office/powerpoint/2010/main">
-    <mc:Choice Requires="p14">
+  <mc:AlternateContent xmlns:mc="http://schemas.openxmlformats.org/markup-compatibility/2006">
+    <mc:Choice xmlns:p14="http://schemas.microsoft.com/office/powerpoint/2010/main" Requires="p14">
       <p:transition spd="slow" p14:dur="2000"/>
     </mc:Choice>
-    <mc:Fallback xmlns="">
+    <mc:Fallback>
       <p:transition spd="slow"/>
     </mc:Fallback>
   </mc:AlternateContent>
@@ -6022,6 +6243,499 @@
 </file>
 
 <file path=ppt/slides/slide3.xml><?xml version="1.0" encoding="utf-8"?>
+<p:sld xmlns:a="http://schemas.openxmlformats.org/drawingml/2006/main" xmlns:r="http://schemas.openxmlformats.org/officeDocument/2006/relationships" xmlns:p="http://schemas.openxmlformats.org/presentationml/2006/main">
+  <p:cSld>
+    <p:spTree>
+      <p:nvGrpSpPr>
+        <p:cNvPr id="1" name=""/>
+        <p:cNvGrpSpPr/>
+        <p:nvPr/>
+      </p:nvGrpSpPr>
+      <p:grpSpPr>
+        <a:xfrm>
+          <a:off x="0" y="0"/>
+          <a:ext cx="0" cy="0"/>
+          <a:chOff x="0" y="0"/>
+          <a:chExt cx="0" cy="0"/>
+        </a:xfrm>
+      </p:grpSpPr>
+      <p:sp>
+        <p:nvSpPr>
+          <p:cNvPr id="2" name="タイトル 1"/>
+          <p:cNvSpPr>
+            <a:spLocks noGrp="1"/>
+          </p:cNvSpPr>
+          <p:nvPr>
+            <p:ph type="title"/>
+          </p:nvPr>
+        </p:nvSpPr>
+        <p:spPr/>
+        <p:txBody>
+          <a:bodyPr/>
+          <a:lstStyle/>
+          <a:p>
+            <a:r>
+              <a:rPr lang="ja-JP" altLang="en-US" dirty="0"/>
+              <a:t>各種</a:t>
+            </a:r>
+            <a:r>
+              <a:rPr kumimoji="1" lang="ja-JP" altLang="en-US" dirty="0" smtClean="0"/>
+              <a:t>資料</a:t>
+            </a:r>
+            <a:endParaRPr kumimoji="1" lang="ja-JP" altLang="en-US" dirty="0"/>
+          </a:p>
+        </p:txBody>
+      </p:sp>
+      <p:sp>
+        <p:nvSpPr>
+          <p:cNvPr id="3" name="コンテンツ プレースホルダー 2"/>
+          <p:cNvSpPr>
+            <a:spLocks noGrp="1"/>
+          </p:cNvSpPr>
+          <p:nvPr>
+            <p:ph idx="1"/>
+          </p:nvPr>
+        </p:nvSpPr>
+        <p:spPr/>
+        <p:txBody>
+          <a:bodyPr/>
+          <a:lstStyle/>
+          <a:p>
+            <a:r>
+              <a:rPr kumimoji="1" lang="ja-JP" altLang="en-US" dirty="0" smtClean="0"/>
+              <a:t>イベントサイト</a:t>
+            </a:r>
+            <a:endParaRPr kumimoji="1" lang="en-US" altLang="ja-JP" dirty="0" smtClean="0"/>
+          </a:p>
+          <a:p>
+            <a:pPr lvl="1"/>
+            <a:r>
+              <a:rPr lang="en-US" altLang="ja-JP" dirty="0" smtClean="0">
+                <a:hlinkClick r:id="rId2"/>
+              </a:rPr>
+              <a:t>http</a:t>
+            </a:r>
+            <a:r>
+              <a:rPr lang="en-US" altLang="ja-JP" dirty="0">
+                <a:hlinkClick r:id="rId2"/>
+              </a:rPr>
+              <a:t>://</a:t>
+            </a:r>
+            <a:r>
+              <a:rPr lang="en-US" altLang="ja-JP" dirty="0" smtClean="0">
+                <a:hlinkClick r:id="rId2"/>
+              </a:rPr>
+              <a:t>www.mongodb.jp/mongo/noryo2013/</a:t>
+            </a:r>
+            <a:endParaRPr kumimoji="1" lang="en-US" altLang="ja-JP" dirty="0" smtClean="0"/>
+          </a:p>
+          <a:p>
+            <a:r>
+              <a:rPr kumimoji="1" lang="ja-JP" altLang="en-US" dirty="0" smtClean="0"/>
+              <a:t>企画書</a:t>
+            </a:r>
+            <a:endParaRPr kumimoji="1" lang="en-US" altLang="ja-JP" dirty="0" smtClean="0"/>
+          </a:p>
+          <a:p>
+            <a:pPr lvl="1"/>
+            <a:r>
+              <a:rPr lang="en-US" altLang="ja-JP" dirty="0">
+                <a:hlinkClick r:id="rId3"/>
+              </a:rPr>
+              <a:t>https://</a:t>
+            </a:r>
+            <a:r>
+              <a:rPr lang="en-US" altLang="ja-JP" dirty="0" smtClean="0">
+                <a:hlinkClick r:id="rId3"/>
+              </a:rPr>
+              <a:t>github.com/MongoDB-JP/2013-summer-festival/blob/master/doc/2013_summer_festival_plan.pdf</a:t>
+            </a:r>
+            <a:endParaRPr lang="en-US" altLang="ja-JP" dirty="0" smtClean="0"/>
+          </a:p>
+          <a:p>
+            <a:pPr lvl="1"/>
+            <a:r>
+              <a:rPr lang="ja-JP" altLang="en-US" dirty="0" smtClean="0"/>
+              <a:t>イベント開催にあたり、趣旨やターゲットなど記載がございますので、ご確認をお願い致します</a:t>
+            </a:r>
+            <a:r>
+              <a:rPr lang="ja-JP" altLang="en-US" dirty="0"/>
+              <a:t>。</a:t>
+            </a:r>
+            <a:endParaRPr lang="en-US" altLang="ja-JP" dirty="0" smtClean="0"/>
+          </a:p>
+          <a:p>
+            <a:pPr marL="457200" lvl="1" indent="0">
+              <a:buNone/>
+            </a:pPr>
+            <a:endParaRPr lang="en-US" altLang="ja-JP" dirty="0" smtClean="0"/>
+          </a:p>
+        </p:txBody>
+      </p:sp>
+    </p:spTree>
+    <p:extLst>
+      <p:ext uri="{BB962C8B-B14F-4D97-AF65-F5344CB8AC3E}">
+        <p14:creationId xmlns:p14="http://schemas.microsoft.com/office/powerpoint/2010/main" val="3515514544"/>
+      </p:ext>
+    </p:extLst>
+  </p:cSld>
+  <p:clrMapOvr>
+    <a:masterClrMapping/>
+  </p:clrMapOvr>
+</p:sld>
+</file>
+
+<file path=ppt/slides/slide4.xml><?xml version="1.0" encoding="utf-8"?>
+<p:sld xmlns:a="http://schemas.openxmlformats.org/drawingml/2006/main" xmlns:r="http://schemas.openxmlformats.org/officeDocument/2006/relationships" xmlns:p="http://schemas.openxmlformats.org/presentationml/2006/main">
+  <p:cSld>
+    <p:spTree>
+      <p:nvGrpSpPr>
+        <p:cNvPr id="1" name=""/>
+        <p:cNvGrpSpPr/>
+        <p:nvPr/>
+      </p:nvGrpSpPr>
+      <p:grpSpPr>
+        <a:xfrm>
+          <a:off x="0" y="0"/>
+          <a:ext cx="0" cy="0"/>
+          <a:chOff x="0" y="0"/>
+          <a:chExt cx="0" cy="0"/>
+        </a:xfrm>
+      </p:grpSpPr>
+      <p:sp>
+        <p:nvSpPr>
+          <p:cNvPr id="2" name="Title 1"/>
+          <p:cNvSpPr>
+            <a:spLocks noGrp="1"/>
+          </p:cNvSpPr>
+          <p:nvPr>
+            <p:ph type="title"/>
+          </p:nvPr>
+        </p:nvSpPr>
+        <p:spPr/>
+        <p:txBody>
+          <a:bodyPr/>
+          <a:lstStyle/>
+          <a:p>
+            <a:r>
+              <a:rPr lang="ja-JP" altLang="en-US" dirty="0"/>
+              <a:t>出展</a:t>
+            </a:r>
+            <a:r>
+              <a:rPr kumimoji="1" lang="ja-JP" altLang="en-US" dirty="0" smtClean="0"/>
+              <a:t>概要</a:t>
+            </a:r>
+            <a:endParaRPr kumimoji="1" lang="ja-JP" altLang="en-US" dirty="0"/>
+          </a:p>
+        </p:txBody>
+      </p:sp>
+      <p:sp>
+        <p:nvSpPr>
+          <p:cNvPr id="3" name="Content Placeholder 2"/>
+          <p:cNvSpPr>
+            <a:spLocks noGrp="1"/>
+          </p:cNvSpPr>
+          <p:nvPr>
+            <p:ph idx="1"/>
+          </p:nvPr>
+        </p:nvSpPr>
+        <p:spPr/>
+        <p:txBody>
+          <a:bodyPr>
+            <a:normAutofit/>
+          </a:bodyPr>
+          <a:lstStyle/>
+          <a:p>
+            <a:r>
+              <a:rPr lang="ja-JP" altLang="en-US" dirty="0"/>
+              <a:t>出展</a:t>
+            </a:r>
+            <a:r>
+              <a:rPr lang="zh-TW" altLang="en-US" dirty="0"/>
+              <a:t>費</a:t>
+            </a:r>
+            <a:endParaRPr lang="en-US" altLang="zh-TW" dirty="0"/>
+          </a:p>
+          <a:p>
+            <a:pPr lvl="1"/>
+            <a:r>
+              <a:rPr lang="zh-TW" altLang="en-US" dirty="0" smtClean="0"/>
+              <a:t>無料</a:t>
+            </a:r>
+            <a:endParaRPr lang="en-US" altLang="zh-TW" dirty="0" smtClean="0"/>
+          </a:p>
+          <a:p>
+            <a:r>
+              <a:rPr lang="ja-JP" altLang="en-US" dirty="0"/>
+              <a:t>出展参加について</a:t>
+            </a:r>
+          </a:p>
+          <a:p>
+            <a:pPr lvl="1"/>
+            <a:r>
+              <a:rPr lang="ja-JP" altLang="en-US" dirty="0" smtClean="0"/>
+              <a:t>本イベント</a:t>
+            </a:r>
+            <a:r>
+              <a:rPr lang="ja-JP" altLang="en-US" dirty="0"/>
+              <a:t>の趣旨に基づくものであれば、出展の内容は基本的に自由となります</a:t>
+            </a:r>
+            <a:r>
+              <a:rPr lang="ja-JP" altLang="en-US" dirty="0" smtClean="0"/>
+              <a:t>。</a:t>
+            </a:r>
+            <a:endParaRPr lang="en-US" altLang="ja-JP" dirty="0" smtClean="0"/>
+          </a:p>
+          <a:p>
+            <a:pPr lvl="1"/>
+            <a:r>
+              <a:rPr lang="ja-JP" altLang="en-US" dirty="0" smtClean="0"/>
+              <a:t>一般</a:t>
+            </a:r>
+            <a:r>
+              <a:rPr lang="ja-JP" altLang="en-US" dirty="0"/>
+              <a:t>参加者やオンライン参加者に有意義な情報や体験の提供をする企画が</a:t>
+            </a:r>
+            <a:r>
+              <a:rPr lang="ja-JP" altLang="en-US" dirty="0" smtClean="0"/>
+              <a:t>望まれます。</a:t>
+            </a:r>
+            <a:endParaRPr lang="en-US" altLang="ja-JP" dirty="0" smtClean="0"/>
+          </a:p>
+          <a:p>
+            <a:pPr lvl="1"/>
+            <a:r>
+              <a:rPr lang="ja-JP" altLang="en-US" dirty="0" smtClean="0"/>
+              <a:t>事情</a:t>
+            </a:r>
+            <a:r>
+              <a:rPr lang="ja-JP" altLang="en-US" dirty="0"/>
+              <a:t>の許す限り出展枠は無償で提供いたします</a:t>
+            </a:r>
+            <a:r>
+              <a:rPr lang="ja-JP" altLang="en-US" dirty="0" smtClean="0"/>
+              <a:t>。</a:t>
+            </a:r>
+            <a:endParaRPr lang="en-US" altLang="ja-JP" dirty="0" smtClean="0"/>
+          </a:p>
+          <a:p>
+            <a:pPr lvl="1"/>
+            <a:r>
+              <a:rPr lang="ja-JP" altLang="en-US" dirty="0" smtClean="0"/>
+              <a:t>もし</a:t>
+            </a:r>
+            <a:r>
+              <a:rPr lang="ja-JP" altLang="en-US" dirty="0"/>
+              <a:t>、応募者・希望者が多数に成った場合はスペースブース</a:t>
+            </a:r>
+            <a:r>
+              <a:rPr lang="ja-JP" altLang="en-US" dirty="0" smtClean="0"/>
+              <a:t>概要</a:t>
+            </a:r>
+            <a:r>
+              <a:rPr lang="ja-JP" altLang="en-US" dirty="0"/>
+              <a:t>や展示方法について調整をお願いいたします。</a:t>
+            </a:r>
+            <a:endParaRPr lang="en-US" altLang="ja-JP" dirty="0" smtClean="0"/>
+          </a:p>
+          <a:p>
+            <a:pPr lvl="1"/>
+            <a:endParaRPr lang="ja-JP" altLang="en-US" dirty="0"/>
+          </a:p>
+        </p:txBody>
+      </p:sp>
+    </p:spTree>
+    <p:extLst>
+      <p:ext uri="{BB962C8B-B14F-4D97-AF65-F5344CB8AC3E}">
+        <p14:creationId xmlns:p14="http://schemas.microsoft.com/office/powerpoint/2010/main" val="1378354689"/>
+      </p:ext>
+    </p:extLst>
+  </p:cSld>
+  <p:clrMapOvr>
+    <a:masterClrMapping/>
+  </p:clrMapOvr>
+  <mc:AlternateContent xmlns:mc="http://schemas.openxmlformats.org/markup-compatibility/2006">
+    <mc:Choice xmlns:p14="http://schemas.microsoft.com/office/powerpoint/2010/main" Requires="p14">
+      <p:transition spd="slow" p14:dur="2000"/>
+    </mc:Choice>
+    <mc:Fallback>
+      <p:transition spd="slow"/>
+    </mc:Fallback>
+  </mc:AlternateContent>
+</p:sld>
+</file>
+
+<file path=ppt/slides/slide5.xml><?xml version="1.0" encoding="utf-8"?>
+<p:sld xmlns:a="http://schemas.openxmlformats.org/drawingml/2006/main" xmlns:r="http://schemas.openxmlformats.org/officeDocument/2006/relationships" xmlns:p="http://schemas.openxmlformats.org/presentationml/2006/main">
+  <p:cSld>
+    <p:spTree>
+      <p:nvGrpSpPr>
+        <p:cNvPr id="1" name=""/>
+        <p:cNvGrpSpPr/>
+        <p:nvPr/>
+      </p:nvGrpSpPr>
+      <p:grpSpPr>
+        <a:xfrm>
+          <a:off x="0" y="0"/>
+          <a:ext cx="0" cy="0"/>
+          <a:chOff x="0" y="0"/>
+          <a:chExt cx="0" cy="0"/>
+        </a:xfrm>
+      </p:grpSpPr>
+      <p:sp>
+        <p:nvSpPr>
+          <p:cNvPr id="2" name="タイトル 1"/>
+          <p:cNvSpPr>
+            <a:spLocks noGrp="1"/>
+          </p:cNvSpPr>
+          <p:nvPr>
+            <p:ph type="title"/>
+          </p:nvPr>
+        </p:nvSpPr>
+        <p:spPr/>
+        <p:txBody>
+          <a:bodyPr/>
+          <a:lstStyle/>
+          <a:p>
+            <a:r>
+              <a:rPr lang="ja-JP" altLang="en-US" dirty="0"/>
+              <a:t>各種</a:t>
+            </a:r>
+            <a:r>
+              <a:rPr kumimoji="1" lang="ja-JP" altLang="en-US" dirty="0" smtClean="0"/>
+              <a:t>資料</a:t>
+            </a:r>
+            <a:endParaRPr kumimoji="1" lang="ja-JP" altLang="en-US" dirty="0"/>
+          </a:p>
+        </p:txBody>
+      </p:sp>
+      <p:sp>
+        <p:nvSpPr>
+          <p:cNvPr id="3" name="コンテンツ プレースホルダー 2"/>
+          <p:cNvSpPr>
+            <a:spLocks noGrp="1"/>
+          </p:cNvSpPr>
+          <p:nvPr>
+            <p:ph idx="1"/>
+          </p:nvPr>
+        </p:nvSpPr>
+        <p:spPr/>
+        <p:txBody>
+          <a:bodyPr/>
+          <a:lstStyle/>
+          <a:p>
+            <a:r>
+              <a:rPr lang="ja-JP" altLang="en-US" dirty="0" smtClean="0"/>
+              <a:t>イベントサイト（展示案内）</a:t>
+            </a:r>
+            <a:endParaRPr kumimoji="1" lang="en-US" altLang="ja-JP" dirty="0" smtClean="0"/>
+          </a:p>
+          <a:p>
+            <a:pPr lvl="1"/>
+            <a:r>
+              <a:rPr lang="en-US" altLang="ja-JP" dirty="0">
+                <a:hlinkClick r:id="rId2"/>
+              </a:rPr>
+              <a:t>http://www.mongodb.jp/mongo/noryo2013/exhibition</a:t>
+            </a:r>
+            <a:endParaRPr lang="en-US" altLang="ja-JP" dirty="0" smtClean="0"/>
+          </a:p>
+          <a:p>
+            <a:r>
+              <a:rPr kumimoji="1" lang="ja-JP" altLang="en-US" dirty="0" smtClean="0"/>
+              <a:t>出展用資料（本資料）</a:t>
+            </a:r>
+            <a:endParaRPr kumimoji="1" lang="en-US" altLang="ja-JP" dirty="0" smtClean="0"/>
+          </a:p>
+          <a:p>
+            <a:pPr lvl="1"/>
+            <a:r>
+              <a:rPr lang="en-US" altLang="ja-JP" dirty="0">
+                <a:hlinkClick r:id="rId3"/>
+              </a:rPr>
+              <a:t>https://github.com/MongoDB-JP/2013-summer-festival/blob/master/hot</a:t>
+            </a:r>
+            <a:r>
+              <a:rPr lang="en-US" altLang="ja-JP" dirty="0" smtClean="0">
+                <a:hlinkClick r:id="rId3"/>
+              </a:rPr>
+              <a:t>/</a:t>
+            </a:r>
+            <a:r>
+              <a:rPr lang="ja-JP" altLang="en-US" dirty="0">
+                <a:hlinkClick r:id="rId3"/>
+              </a:rPr>
+              <a:t>納涼</a:t>
+            </a:r>
+            <a:r>
+              <a:rPr lang="ja-JP" altLang="en-US" dirty="0" smtClean="0">
+                <a:hlinkClick r:id="rId3"/>
+              </a:rPr>
+              <a:t>もん</a:t>
+            </a:r>
+            <a:r>
+              <a:rPr lang="ja-JP" altLang="en-US" dirty="0">
+                <a:hlinkClick r:id="rId3"/>
+              </a:rPr>
+              <a:t>ご祭り 資料</a:t>
+            </a:r>
+            <a:r>
+              <a:rPr lang="en-US" altLang="ja-JP" dirty="0">
+                <a:hlinkClick r:id="rId3"/>
+              </a:rPr>
+              <a:t>(</a:t>
+            </a:r>
+            <a:r>
+              <a:rPr lang="ja-JP" altLang="en-US" dirty="0">
+                <a:hlinkClick r:id="rId3"/>
+              </a:rPr>
+              <a:t>出展用</a:t>
+            </a:r>
+            <a:r>
+              <a:rPr lang="en-US" altLang="ja-JP" dirty="0">
+                <a:hlinkClick r:id="rId3"/>
+              </a:rPr>
+              <a:t>).</a:t>
+            </a:r>
+            <a:r>
+              <a:rPr lang="en-US" altLang="ja-JP" dirty="0" err="1" smtClean="0">
+                <a:hlinkClick r:id="rId3"/>
+              </a:rPr>
+              <a:t>pptx</a:t>
+            </a:r>
+            <a:endParaRPr lang="en-US" altLang="ja-JP" dirty="0" smtClean="0"/>
+          </a:p>
+          <a:p>
+            <a:r>
+              <a:rPr kumimoji="1" lang="ja-JP" altLang="en-US" dirty="0" smtClean="0"/>
+              <a:t>申込書</a:t>
+            </a:r>
+            <a:endParaRPr kumimoji="1" lang="en-US" altLang="ja-JP" dirty="0" smtClean="0"/>
+          </a:p>
+          <a:p>
+            <a:pPr lvl="1"/>
+            <a:r>
+              <a:rPr lang="ja-JP" altLang="en-US" dirty="0" smtClean="0"/>
+              <a:t>（作成中）</a:t>
+            </a:r>
+            <a:endParaRPr kumimoji="1" lang="ja-JP" altLang="en-US" dirty="0"/>
+          </a:p>
+        </p:txBody>
+      </p:sp>
+    </p:spTree>
+    <p:extLst>
+      <p:ext uri="{BB962C8B-B14F-4D97-AF65-F5344CB8AC3E}">
+        <p14:creationId xmlns:p14="http://schemas.microsoft.com/office/powerpoint/2010/main" val="2288359605"/>
+      </p:ext>
+    </p:extLst>
+  </p:cSld>
+  <p:clrMapOvr>
+    <a:masterClrMapping/>
+  </p:clrMapOvr>
+</p:sld>
+</file>
+
+<file path=ppt/slides/slide6.xml><?xml version="1.0" encoding="utf-8"?>
 <p:sld xmlns:a="http://schemas.openxmlformats.org/drawingml/2006/main" xmlns:r="http://schemas.openxmlformats.org/officeDocument/2006/relationships" xmlns:p="http://schemas.openxmlformats.org/presentationml/2006/main" show="0">
   <p:cSld>
     <p:spTree>
@@ -7846,18 +8560,18 @@
   <p:clrMapOvr>
     <a:masterClrMapping/>
   </p:clrMapOvr>
-  <mc:AlternateContent xmlns:mc="http://schemas.openxmlformats.org/markup-compatibility/2006">
-    <mc:Choice xmlns:p14="http://schemas.microsoft.com/office/powerpoint/2010/main" Requires="p14">
+  <mc:AlternateContent xmlns:mc="http://schemas.openxmlformats.org/markup-compatibility/2006" xmlns:p14="http://schemas.microsoft.com/office/powerpoint/2010/main">
+    <mc:Choice Requires="p14">
       <p:transition spd="slow" p14:dur="2000"/>
     </mc:Choice>
-    <mc:Fallback>
+    <mc:Fallback xmlns="">
       <p:transition spd="slow"/>
     </mc:Fallback>
   </mc:AlternateContent>
 </p:sld>
 </file>
 
-<file path=ppt/slides/slide4.xml><?xml version="1.0" encoding="utf-8"?>
+<file path=ppt/slides/slide7.xml><?xml version="1.0" encoding="utf-8"?>
 <p:sld xmlns:a="http://schemas.openxmlformats.org/drawingml/2006/main" xmlns:r="http://schemas.openxmlformats.org/officeDocument/2006/relationships" xmlns:p="http://schemas.openxmlformats.org/presentationml/2006/main">
   <p:cSld>
     <p:spTree>
@@ -7907,18 +8621,29 @@
             <p:ph idx="1"/>
           </p:nvPr>
         </p:nvSpPr>
-        <p:spPr/>
+        <p:spPr>
+          <a:xfrm>
+            <a:off x="677334" y="2160589"/>
+            <a:ext cx="8596668" cy="3880773"/>
+          </a:xfrm>
+        </p:spPr>
         <p:txBody>
           <a:bodyPr/>
           <a:lstStyle/>
           <a:p>
             <a:r>
-              <a:rPr lang="ja-JP" altLang="en-US" dirty="0"/>
-              <a:t>以下</a:t>
+              <a:rPr lang="ja-JP" altLang="en-US" dirty="0" smtClean="0">
+                <a:hlinkClick r:id="rId2" action="ppaction://hlinksldjump"/>
+              </a:rPr>
+              <a:t>次スライド</a:t>
             </a:r>
             <a:r>
               <a:rPr lang="ja-JP" altLang="en-US" dirty="0" smtClean="0"/>
-              <a:t>の会場図の、白い枠内が開いています。</a:t>
+              <a:t>の</a:t>
+            </a:r>
+            <a:r>
+              <a:rPr lang="ja-JP" altLang="en-US" dirty="0" smtClean="0"/>
+              <a:t>会場図の、白い枠内が開いています。</a:t>
             </a:r>
             <a:r>
               <a:rPr lang="en-US" altLang="ja-JP" dirty="0" smtClean="0"/>
@@ -7936,8 +8661,44 @@
               <a:t>コマ使用も可能です</a:t>
             </a:r>
             <a:r>
+              <a:rPr lang="ja-JP" altLang="en-US" dirty="0" smtClean="0"/>
+              <a:t>。</a:t>
+            </a:r>
+            <a:endParaRPr lang="en-US" altLang="ja-JP" dirty="0" smtClean="0"/>
+          </a:p>
+          <a:p>
+            <a:r>
+              <a:rPr lang="ja-JP" altLang="en-US" dirty="0" smtClean="0"/>
+              <a:t>随時更新</a:t>
+            </a:r>
+            <a:r>
               <a:rPr lang="ja-JP" altLang="en-US" dirty="0"/>
-              <a:t>。</a:t>
+              <a:t>致</a:t>
+            </a:r>
+            <a:r>
+              <a:rPr lang="ja-JP" altLang="en-US" dirty="0" smtClean="0"/>
+              <a:t>しますので、ご連絡お願い致します。</a:t>
+            </a:r>
+            <a:endParaRPr lang="en-US" altLang="ja-JP" dirty="0" smtClean="0"/>
+          </a:p>
+          <a:p>
+            <a:r>
+              <a:rPr kumimoji="1" lang="en-US" altLang="ja-JP" dirty="0" smtClean="0"/>
+              <a:t>Web</a:t>
+            </a:r>
+            <a:r>
+              <a:rPr kumimoji="1" lang="ja-JP" altLang="en-US" dirty="0" smtClean="0"/>
+              <a:t>では、以下のページでブース状況を公開しています。</a:t>
+            </a:r>
+            <a:endParaRPr kumimoji="1" lang="en-US" altLang="ja-JP" dirty="0" smtClean="0"/>
+          </a:p>
+          <a:p>
+            <a:pPr lvl="1"/>
+            <a:r>
+              <a:rPr lang="en-US" altLang="ja-JP" dirty="0">
+                <a:hlinkClick r:id="rId3"/>
+              </a:rPr>
+              <a:t>http://www.mongodb.jp/mongo/noryo2013/exhibition</a:t>
             </a:r>
             <a:endParaRPr kumimoji="1" lang="ja-JP" altLang="en-US" dirty="0"/>
           </a:p>
@@ -7956,7 +8717,7 @@
 </p:sld>
 </file>
 
-<file path=ppt/slides/slide5.xml><?xml version="1.0" encoding="utf-8"?>
+<file path=ppt/slides/slide8.xml><?xml version="1.0" encoding="utf-8"?>
 <p:sld xmlns:a="http://schemas.openxmlformats.org/drawingml/2006/main" xmlns:r="http://schemas.openxmlformats.org/officeDocument/2006/relationships" xmlns:p="http://schemas.openxmlformats.org/presentationml/2006/main">
   <p:cSld>
     <p:spTree>
@@ -10147,8 +10908,16 @@
           <a:lstStyle/>
           <a:p>
             <a:r>
-              <a:rPr lang="ja-JP" altLang="en-US" smtClean="0"/>
-              <a:t> ブース 割当て状況</a:t>
+              <a:rPr lang="ja-JP" altLang="en-US" dirty="0" smtClean="0"/>
+              <a:t> ブース 割当て</a:t>
+            </a:r>
+            <a:r>
+              <a:rPr lang="ja-JP" altLang="en-US" dirty="0" smtClean="0"/>
+              <a:t>状況（会場図</a:t>
+            </a:r>
+            <a:r>
+              <a:rPr lang="ja-JP" altLang="en-US" dirty="0"/>
+              <a:t>）</a:t>
             </a:r>
             <a:endParaRPr lang="ja-JP" altLang="en-US" dirty="0"/>
           </a:p>
